--- a/swbproys/gestor-bsc/doc/weekly/05_20130709/Junta semanal interna.pptx
+++ b/swbproys/gestor-bsc/doc/weekly/05_20130709/Junta semanal interna.pptx
@@ -228,7 +228,7 @@
             <a:fld id="{380DB8E7-EF7C-4FF9-94A8-6647B2DEB0AF}" type="datetimeFigureOut">
               <a:rPr lang="es-MX" smtClean="0"/>
               <a:pPr/>
-              <a:t>09/07/2013</a:t>
+              <a:t>10/07/2013</a:t>
             </a:fld>
             <a:endParaRPr lang="es-MX"/>
           </a:p>
@@ -934,7 +934,7 @@
             <a:fld id="{CEC4F07B-4100-49BA-8137-A52A753C5BE9}" type="datetimeFigureOut">
               <a:rPr lang="es-MX" smtClean="0"/>
               <a:pPr/>
-              <a:t>09/07/2013</a:t>
+              <a:t>10/07/2013</a:t>
             </a:fld>
             <a:endParaRPr lang="es-MX"/>
           </a:p>
@@ -1101,7 +1101,7 @@
             <a:fld id="{CEC4F07B-4100-49BA-8137-A52A753C5BE9}" type="datetimeFigureOut">
               <a:rPr lang="es-MX" smtClean="0"/>
               <a:pPr/>
-              <a:t>09/07/2013</a:t>
+              <a:t>10/07/2013</a:t>
             </a:fld>
             <a:endParaRPr lang="es-MX"/>
           </a:p>
@@ -1278,7 +1278,7 @@
             <a:fld id="{CEC4F07B-4100-49BA-8137-A52A753C5BE9}" type="datetimeFigureOut">
               <a:rPr lang="es-MX" smtClean="0"/>
               <a:pPr/>
-              <a:t>09/07/2013</a:t>
+              <a:t>10/07/2013</a:t>
             </a:fld>
             <a:endParaRPr lang="es-MX"/>
           </a:p>
@@ -1445,7 +1445,7 @@
             <a:fld id="{CEC4F07B-4100-49BA-8137-A52A753C5BE9}" type="datetimeFigureOut">
               <a:rPr lang="es-MX" smtClean="0"/>
               <a:pPr/>
-              <a:t>09/07/2013</a:t>
+              <a:t>10/07/2013</a:t>
             </a:fld>
             <a:endParaRPr lang="es-MX"/>
           </a:p>
@@ -1688,7 +1688,7 @@
             <a:fld id="{CEC4F07B-4100-49BA-8137-A52A753C5BE9}" type="datetimeFigureOut">
               <a:rPr lang="es-MX" smtClean="0"/>
               <a:pPr/>
-              <a:t>09/07/2013</a:t>
+              <a:t>10/07/2013</a:t>
             </a:fld>
             <a:endParaRPr lang="es-MX"/>
           </a:p>
@@ -1973,7 +1973,7 @@
             <a:fld id="{CEC4F07B-4100-49BA-8137-A52A753C5BE9}" type="datetimeFigureOut">
               <a:rPr lang="es-MX" smtClean="0"/>
               <a:pPr/>
-              <a:t>09/07/2013</a:t>
+              <a:t>10/07/2013</a:t>
             </a:fld>
             <a:endParaRPr lang="es-MX"/>
           </a:p>
@@ -2392,7 +2392,7 @@
             <a:fld id="{CEC4F07B-4100-49BA-8137-A52A753C5BE9}" type="datetimeFigureOut">
               <a:rPr lang="es-MX" smtClean="0"/>
               <a:pPr/>
-              <a:t>09/07/2013</a:t>
+              <a:t>10/07/2013</a:t>
             </a:fld>
             <a:endParaRPr lang="es-MX"/>
           </a:p>
@@ -2507,7 +2507,7 @@
             <a:fld id="{CEC4F07B-4100-49BA-8137-A52A753C5BE9}" type="datetimeFigureOut">
               <a:rPr lang="es-MX" smtClean="0"/>
               <a:pPr/>
-              <a:t>09/07/2013</a:t>
+              <a:t>10/07/2013</a:t>
             </a:fld>
             <a:endParaRPr lang="es-MX"/>
           </a:p>
@@ -2599,7 +2599,7 @@
             <a:fld id="{CEC4F07B-4100-49BA-8137-A52A753C5BE9}" type="datetimeFigureOut">
               <a:rPr lang="es-MX" smtClean="0"/>
               <a:pPr/>
-              <a:t>09/07/2013</a:t>
+              <a:t>10/07/2013</a:t>
             </a:fld>
             <a:endParaRPr lang="es-MX"/>
           </a:p>
@@ -2873,7 +2873,7 @@
             <a:fld id="{CEC4F07B-4100-49BA-8137-A52A753C5BE9}" type="datetimeFigureOut">
               <a:rPr lang="es-MX" smtClean="0"/>
               <a:pPr/>
-              <a:t>09/07/2013</a:t>
+              <a:t>10/07/2013</a:t>
             </a:fld>
             <a:endParaRPr lang="es-MX"/>
           </a:p>
@@ -3123,7 +3123,7 @@
             <a:fld id="{CEC4F07B-4100-49BA-8137-A52A753C5BE9}" type="datetimeFigureOut">
               <a:rPr lang="es-MX" smtClean="0"/>
               <a:pPr/>
-              <a:t>09/07/2013</a:t>
+              <a:t>10/07/2013</a:t>
             </a:fld>
             <a:endParaRPr lang="es-MX"/>
           </a:p>
@@ -3333,7 +3333,7 @@
             <a:fld id="{CEC4F07B-4100-49BA-8137-A52A753C5BE9}" type="datetimeFigureOut">
               <a:rPr lang="es-MX" smtClean="0"/>
               <a:pPr/>
-              <a:t>09/07/2013</a:t>
+              <a:t>10/07/2013</a:t>
             </a:fld>
             <a:endParaRPr lang="es-MX"/>
           </a:p>
@@ -3867,174 +3867,6 @@
       </p:sp>
       <p:graphicFrame>
         <p:nvGraphicFramePr>
-          <p:cNvPr id="6" name="Table 5"/>
-          <p:cNvGraphicFramePr>
-            <a:graphicFrameLocks noGrp="1"/>
-          </p:cNvGraphicFramePr>
-          <p:nvPr>
-            <p:extLst>
-              <p:ext uri="{D42A27DB-BD31-4B8C-83A1-F6EECF244321}">
-                <p14:modId xmlns:p14="http://schemas.microsoft.com/office/powerpoint/2010/main" val="3413634650"/>
-              </p:ext>
-            </p:extLst>
-          </p:nvPr>
-        </p:nvGraphicFramePr>
-        <p:xfrm>
-          <a:off x="762000" y="1556792"/>
-          <a:ext cx="7315200" cy="2484120"/>
-        </p:xfrm>
-        <a:graphic>
-          <a:graphicData uri="http://schemas.openxmlformats.org/drawingml/2006/table">
-            <a:tbl>
-              <a:tblPr firstRow="1" bandRow="1">
-                <a:tableStyleId>{21E4AEA4-8DFA-4A89-87EB-49C32662AFE0}</a:tableStyleId>
-              </a:tblPr>
-              <a:tblGrid>
-                <a:gridCol w="3657600"/>
-                <a:gridCol w="3657600"/>
-              </a:tblGrid>
-              <a:tr h="335280">
-                <a:tc>
-                  <a:txBody>
-                    <a:bodyPr/>
-                    <a:lstStyle/>
-                    <a:p>
-                      <a:pPr algn="ctr"/>
-                      <a:r>
-                        <a:rPr lang="es-MX" sz="1700" dirty="0" smtClean="0"/>
-                        <a:t>Tareas ejecutadas en la semana</a:t>
-                      </a:r>
-                      <a:endParaRPr lang="es-MX" sz="1700" dirty="0"/>
-                    </a:p>
-                  </a:txBody>
-                  <a:tcPr/>
-                </a:tc>
-                <a:tc>
-                  <a:txBody>
-                    <a:bodyPr/>
-                    <a:lstStyle/>
-                    <a:p>
-                      <a:pPr algn="ctr"/>
-                      <a:r>
-                        <a:rPr lang="es-MX" sz="1700" dirty="0" smtClean="0"/>
-                        <a:t>Comentario</a:t>
-                      </a:r>
-                      <a:endParaRPr lang="es-MX" sz="1700" dirty="0"/>
-                    </a:p>
-                  </a:txBody>
-                  <a:tcPr/>
-                </a:tc>
-              </a:tr>
-              <a:tr h="335280">
-                <a:tc>
-                  <a:txBody>
-                    <a:bodyPr/>
-                    <a:lstStyle/>
-                    <a:p>
-                      <a:r>
-                        <a:rPr lang="es-MX" sz="1600" baseline="0" dirty="0" smtClean="0"/>
-                        <a:t>Asignar períodos a elementos </a:t>
-                      </a:r>
-                    </a:p>
-                  </a:txBody>
-                  <a:tcPr/>
-                </a:tc>
-                <a:tc>
-                  <a:txBody>
-                    <a:bodyPr/>
-                    <a:lstStyle/>
-                    <a:p>
-                      <a:pPr marL="0" indent="0">
-                        <a:buFont typeface="Arial" pitchFamily="34" charset="0"/>
-                        <a:buNone/>
-                      </a:pPr>
-                      <a:r>
-                        <a:rPr lang="es-MX" sz="1600" baseline="0" dirty="0" smtClean="0"/>
-                        <a:t>Probar por:</a:t>
-                      </a:r>
-                    </a:p>
-                    <a:p>
-                      <a:pPr marL="285750" indent="-285750">
-                        <a:buFont typeface="Arial" pitchFamily="34" charset="0"/>
-                        <a:buChar char="•"/>
-                      </a:pPr>
-                      <a:r>
-                        <a:rPr lang="es-MX" sz="1600" baseline="0" dirty="0" smtClean="0"/>
-                        <a:t>Comportamiento (eliminar, desactivar)</a:t>
-                      </a:r>
-                    </a:p>
-                    <a:p>
-                      <a:pPr marL="285750" indent="-285750">
-                        <a:buFont typeface="Arial" pitchFamily="34" charset="0"/>
-                        <a:buChar char="•"/>
-                      </a:pPr>
-                      <a:r>
-                        <a:rPr lang="es-MX" sz="1600" baseline="0" dirty="0" smtClean="0"/>
-                        <a:t>Validez (asignar sólo activos y accesibles por el usuario)</a:t>
-                      </a:r>
-                    </a:p>
-                  </a:txBody>
-                  <a:tcPr/>
-                </a:tc>
-              </a:tr>
-              <a:tr h="335280">
-                <a:tc>
-                  <a:txBody>
-                    <a:bodyPr/>
-                    <a:lstStyle/>
-                    <a:p>
-                      <a:r>
-                        <a:rPr lang="es-MX" sz="1600" baseline="0" dirty="0" smtClean="0"/>
-                        <a:t>Asignar estados a elementos</a:t>
-                      </a:r>
-                    </a:p>
-                  </a:txBody>
-                  <a:tcPr/>
-                </a:tc>
-                <a:tc>
-                  <a:txBody>
-                    <a:bodyPr/>
-                    <a:lstStyle/>
-                    <a:p>
-                      <a:pPr marL="0" indent="0">
-                        <a:buFont typeface="Arial" pitchFamily="34" charset="0"/>
-                        <a:buNone/>
-                      </a:pPr>
-                      <a:r>
-                        <a:rPr lang="es-MX" sz="1600" baseline="0" dirty="0" smtClean="0"/>
-                        <a:t>Probar por:</a:t>
-                      </a:r>
-                    </a:p>
-                    <a:p>
-                      <a:pPr marL="285750" indent="-285750">
-                        <a:buFont typeface="Arial" pitchFamily="34" charset="0"/>
-                        <a:buChar char="•"/>
-                      </a:pPr>
-                      <a:r>
-                        <a:rPr lang="es-MX" sz="1600" baseline="0" dirty="0" smtClean="0"/>
-                        <a:t>Comportamiento (eliminar, desactivar)</a:t>
-                      </a:r>
-                    </a:p>
-                    <a:p>
-                      <a:pPr marL="285750" indent="-285750">
-                        <a:buFont typeface="Arial" pitchFamily="34" charset="0"/>
-                        <a:buChar char="•"/>
-                      </a:pPr>
-                      <a:r>
-                        <a:rPr lang="es-MX" sz="1600" baseline="0" dirty="0" smtClean="0"/>
-                        <a:t>Validez (asignar sólo activos y accesibles por el usuario)</a:t>
-                      </a:r>
-                    </a:p>
-                  </a:txBody>
-                  <a:tcPr/>
-                </a:tc>
-              </a:tr>
-            </a:tbl>
-          </a:graphicData>
-        </a:graphic>
-      </p:graphicFrame>
-      <p:graphicFrame>
-        <p:nvGraphicFramePr>
           <p:cNvPr id="7" name="Table 5"/>
           <p:cNvGraphicFramePr>
             <a:graphicFrameLocks noGrp="1"/>
@@ -4042,14 +3874,14 @@
           <p:nvPr>
             <p:extLst>
               <p:ext uri="{D42A27DB-BD31-4B8C-83A1-F6EECF244321}">
-                <p14:modId xmlns:p14="http://schemas.microsoft.com/office/powerpoint/2010/main" val="67057957"/>
+                <p14:modId xmlns:p14="http://schemas.microsoft.com/office/powerpoint/2010/main" val="187683176"/>
               </p:ext>
             </p:extLst>
           </p:nvPr>
         </p:nvGraphicFramePr>
         <p:xfrm>
-          <a:off x="743123" y="4149080"/>
-          <a:ext cx="7315200" cy="2484120"/>
+          <a:off x="743123" y="1700808"/>
+          <a:ext cx="7315200" cy="4617720"/>
         </p:xfrm>
         <a:graphic>
           <a:graphicData uri="http://schemas.openxmlformats.org/drawingml/2006/table">
@@ -4278,6 +4110,120 @@
                         <a:rPr lang="es-MX" sz="1600" baseline="0" dirty="0" smtClean="0"/>
                         <a:t>Validez (asignar sólo activos y accesibles por el usuario)</a:t>
                       </a:r>
+                    </a:p>
+                  </a:txBody>
+                  <a:tcPr/>
+                </a:tc>
+              </a:tr>
+              <a:tr h="335280">
+                <a:tc>
+                  <a:txBody>
+                    <a:bodyPr/>
+                    <a:lstStyle/>
+                    <a:p>
+                      <a:pPr marL="0" indent="0">
+                        <a:buFont typeface="Arial" pitchFamily="34" charset="0"/>
+                        <a:buNone/>
+                      </a:pPr>
+                      <a:r>
+                        <a:rPr lang="es-MX" sz="1600" baseline="0" dirty="0" smtClean="0"/>
+                        <a:t>Revisar resultados de pruebas </a:t>
+                      </a:r>
+                      <a:r>
+                        <a:rPr lang="es-MX" sz="1600" baseline="0" dirty="0" smtClean="0"/>
+                        <a:t>por:</a:t>
+                      </a:r>
+                    </a:p>
+                    <a:p>
+                      <a:pPr marL="285750" indent="-285750">
+                        <a:buFont typeface="Arial" pitchFamily="34" charset="0"/>
+                        <a:buChar char="•"/>
+                      </a:pPr>
+                      <a:r>
+                        <a:rPr lang="es-MX" sz="1600" baseline="0" dirty="0" smtClean="0"/>
+                        <a:t>Comportamiento (eliminar, desactivar)</a:t>
+                      </a:r>
+                    </a:p>
+                    <a:p>
+                      <a:pPr marL="285750" indent="-285750">
+                        <a:buFont typeface="Arial" pitchFamily="34" charset="0"/>
+                        <a:buChar char="•"/>
+                      </a:pPr>
+                      <a:r>
+                        <a:rPr lang="es-MX" sz="1600" baseline="0" dirty="0" smtClean="0"/>
+                        <a:t>Validez (asignar sólo activos y accesibles por el usuario)</a:t>
+                      </a:r>
+                    </a:p>
+                  </a:txBody>
+                  <a:tcPr/>
+                </a:tc>
+                <a:tc>
+                  <a:txBody>
+                    <a:bodyPr/>
+                    <a:lstStyle/>
+                    <a:p>
+                      <a:pPr marL="0" indent="0">
+                        <a:buFont typeface="Arial" pitchFamily="34" charset="0"/>
+                        <a:buNone/>
+                      </a:pPr>
+                      <a:endParaRPr lang="es-MX" sz="1600" baseline="0" dirty="0" smtClean="0"/>
+                    </a:p>
+                  </a:txBody>
+                  <a:tcPr/>
+                </a:tc>
+              </a:tr>
+              <a:tr h="335280">
+                <a:tc>
+                  <a:txBody>
+                    <a:bodyPr/>
+                    <a:lstStyle/>
+                    <a:p>
+                      <a:pPr marL="0" indent="0">
+                        <a:buFont typeface="Arial" pitchFamily="34" charset="0"/>
+                        <a:buNone/>
+                      </a:pPr>
+                      <a:r>
+                        <a:rPr lang="es-MX" sz="1600" baseline="0" dirty="0" smtClean="0"/>
+                        <a:t>Revisar resultados de pruebas </a:t>
+                      </a:r>
+                      <a:r>
+                        <a:rPr lang="es-MX" sz="1600" baseline="0" dirty="0" smtClean="0"/>
+                        <a:t>por:</a:t>
+                      </a:r>
+                    </a:p>
+                    <a:p>
+                      <a:pPr marL="285750" indent="-285750">
+                        <a:buFont typeface="Arial" pitchFamily="34" charset="0"/>
+                        <a:buChar char="•"/>
+                      </a:pPr>
+                      <a:r>
+                        <a:rPr lang="es-MX" sz="1600" baseline="0" dirty="0" smtClean="0"/>
+                        <a:t>Comportamiento (eliminar, desactivar)</a:t>
+                      </a:r>
+                    </a:p>
+                    <a:p>
+                      <a:pPr marL="285750" indent="-285750">
+                        <a:buFont typeface="Arial" pitchFamily="34" charset="0"/>
+                        <a:buChar char="•"/>
+                      </a:pPr>
+                      <a:r>
+                        <a:rPr lang="es-MX" sz="1600" baseline="0" dirty="0" smtClean="0"/>
+                        <a:t>Validez (asignar sólo activos y accesibles por el usuario)</a:t>
+                      </a:r>
+                    </a:p>
+                  </a:txBody>
+                  <a:tcPr/>
+                </a:tc>
+                <a:tc>
+                  <a:txBody>
+                    <a:bodyPr/>
+                    <a:lstStyle/>
+                    <a:p>
+                      <a:pPr marL="285750" indent="-285750">
+                        <a:buFont typeface="Arial" pitchFamily="34" charset="0"/>
+                        <a:buChar char="•"/>
+                      </a:pPr>
+                      <a:endParaRPr lang="es-MX" sz="1600" baseline="0" dirty="0" smtClean="0"/>
                     </a:p>
                   </a:txBody>
                   <a:tcPr/>
@@ -4428,7 +4374,7 @@
       </p:sp>
       <p:pic>
         <p:nvPicPr>
-          <p:cNvPr id="3" name="Picture 2"/>
+          <p:cNvPr id="2050" name="Picture 2"/>
           <p:cNvPicPr>
             <a:picLocks noChangeAspect="1" noChangeArrowheads="1"/>
           </p:cNvPicPr>
@@ -4596,7 +4542,7 @@
           <p:nvPr>
             <p:extLst>
               <p:ext uri="{D42A27DB-BD31-4B8C-83A1-F6EECF244321}">
-                <p14:modId xmlns:p14="http://schemas.microsoft.com/office/powerpoint/2010/main" val="1223407604"/>
+                <p14:modId xmlns:p14="http://schemas.microsoft.com/office/powerpoint/2010/main" val="559001431"/>
               </p:ext>
             </p:extLst>
           </p:nvPr>
@@ -4718,7 +4664,7 @@
                     <a:p>
                       <a:r>
                         <a:rPr lang="es-MX" dirty="0" smtClean="0"/>
-                        <a:t>40%</a:t>
+                        <a:t>62%</a:t>
                       </a:r>
                       <a:endParaRPr lang="es-MX" dirty="0"/>
                     </a:p>
@@ -4760,7 +4706,11 @@
                     <a:p>
                       <a:r>
                         <a:rPr lang="es-MX" dirty="0" smtClean="0"/>
-                        <a:t>35 %</a:t>
+                        <a:t>49 </a:t>
+                      </a:r>
+                      <a:r>
+                        <a:rPr lang="es-MX" dirty="0" smtClean="0"/>
+                        <a:t>%</a:t>
                       </a:r>
                       <a:endParaRPr lang="es-MX" dirty="0"/>
                     </a:p>
@@ -4874,7 +4824,7 @@
                     <a:p>
                       <a:r>
                         <a:rPr lang="es-MX" dirty="0" smtClean="0"/>
-                        <a:t>62%</a:t>
+                        <a:t>40%</a:t>
                       </a:r>
                       <a:endParaRPr lang="es-MX" dirty="0"/>
                     </a:p>
@@ -4916,7 +4866,7 @@
                     <a:p>
                       <a:r>
                         <a:rPr lang="es-MX" dirty="0" smtClean="0"/>
-                        <a:t>41%</a:t>
+                        <a:t>35%</a:t>
                       </a:r>
                       <a:endParaRPr lang="es-MX" dirty="0"/>
                     </a:p>
@@ -4933,6 +4883,140 @@
                         <a:t>Atraso</a:t>
                       </a:r>
                       <a:endParaRPr lang="es-MX" dirty="0"/>
+                    </a:p>
+                  </a:txBody>
+                  <a:tcPr/>
+                </a:tc>
+              </a:tr>
+            </a:tbl>
+          </a:graphicData>
+        </a:graphic>
+      </p:graphicFrame>
+      <p:graphicFrame>
+        <p:nvGraphicFramePr>
+          <p:cNvPr id="9" name="8 Tabla"/>
+          <p:cNvGraphicFramePr>
+            <a:graphicFrameLocks noGrp="1"/>
+          </p:cNvGraphicFramePr>
+          <p:nvPr>
+            <p:extLst>
+              <p:ext uri="{D42A27DB-BD31-4B8C-83A1-F6EECF244321}">
+                <p14:modId xmlns:p14="http://schemas.microsoft.com/office/powerpoint/2010/main" val="3362967130"/>
+              </p:ext>
+            </p:extLst>
+          </p:nvPr>
+        </p:nvGraphicFramePr>
+        <p:xfrm>
+          <a:off x="1223250" y="5745192"/>
+          <a:ext cx="6696744" cy="741680"/>
+        </p:xfrm>
+        <a:graphic>
+          <a:graphicData uri="http://schemas.openxmlformats.org/drawingml/2006/table">
+            <a:tbl>
+              <a:tblPr firstRow="1" bandRow="1">
+                <a:effectLst>
+                  <a:outerShdw blurRad="50800" dist="38100" dir="2700000" algn="tl" rotWithShape="0">
+                    <a:prstClr val="black">
+                      <a:alpha val="40000"/>
+                    </a:prstClr>
+                  </a:outerShdw>
+                </a:effectLst>
+                <a:tableStyleId>{1E171933-4619-4E11-9A3F-F7608DF75F80}</a:tableStyleId>
+              </a:tblPr>
+              <a:tblGrid>
+                <a:gridCol w="2292653"/>
+                <a:gridCol w="2202045"/>
+                <a:gridCol w="2202046"/>
+              </a:tblGrid>
+              <a:tr h="370840">
+                <a:tc>
+                  <a:txBody>
+                    <a:bodyPr/>
+                    <a:lstStyle/>
+                    <a:p>
+                      <a:pPr algn="ctr"/>
+                      <a:r>
+                        <a:rPr lang="es-MX" dirty="0" smtClean="0"/>
+                        <a:t>Fecha Planeada</a:t>
+                      </a:r>
+                      <a:endParaRPr lang="es-MX" dirty="0"/>
+                    </a:p>
+                  </a:txBody>
+                  <a:tcPr/>
+                </a:tc>
+                <a:tc>
+                  <a:txBody>
+                    <a:bodyPr/>
+                    <a:lstStyle/>
+                    <a:p>
+                      <a:pPr algn="ctr"/>
+                      <a:r>
+                        <a:rPr lang="es-MX" dirty="0" smtClean="0"/>
+                        <a:t>Fecha Actual </a:t>
+                      </a:r>
+                      <a:endParaRPr lang="es-MX" dirty="0"/>
+                    </a:p>
+                  </a:txBody>
+                  <a:tcPr/>
+                </a:tc>
+                <a:tc>
+                  <a:txBody>
+                    <a:bodyPr/>
+                    <a:lstStyle/>
+                    <a:p>
+                      <a:pPr algn="ctr"/>
+                      <a:r>
+                        <a:rPr lang="es-MX" dirty="0" smtClean="0"/>
+                        <a:t>Fecha Pronosticada</a:t>
+                      </a:r>
+                      <a:endParaRPr lang="es-MX" dirty="0"/>
+                    </a:p>
+                  </a:txBody>
+                  <a:tcPr/>
+                </a:tc>
+              </a:tr>
+              <a:tr h="370840">
+                <a:tc>
+                  <a:txBody>
+                    <a:bodyPr/>
+                    <a:lstStyle/>
+                    <a:p>
+                      <a:pPr algn="ctr"/>
+                      <a:r>
+                        <a:rPr lang="es-MX" dirty="0" smtClean="0"/>
+                        <a:t>03/11/2013</a:t>
+                      </a:r>
+                      <a:endParaRPr lang="es-MX" dirty="0"/>
+                    </a:p>
+                  </a:txBody>
+                  <a:tcPr/>
+                </a:tc>
+                <a:tc>
+                  <a:txBody>
+                    <a:bodyPr/>
+                    <a:lstStyle/>
+                    <a:p>
+                      <a:pPr algn="ctr"/>
+                      <a:r>
+                        <a:rPr lang="es-MX" dirty="0" smtClean="0"/>
+                        <a:t>17/11/2013</a:t>
+                      </a:r>
+                      <a:endParaRPr lang="es-ES" dirty="0"/>
+                    </a:p>
+                  </a:txBody>
+                  <a:tcPr/>
+                </a:tc>
+                <a:tc>
+                  <a:txBody>
+                    <a:bodyPr/>
+                    <a:lstStyle/>
+                    <a:p>
+                      <a:pPr algn="ctr"/>
+                      <a:r>
+                        <a:rPr lang="es-MX" dirty="0" smtClean="0"/>
+                        <a:t>22/06/2014</a:t>
+                      </a:r>
+                      <a:endParaRPr lang="es-ES" dirty="0"/>
                     </a:p>
                   </a:txBody>
                   <a:tcPr/>
@@ -4944,7 +5028,7 @@
       </p:graphicFrame>
       <p:pic>
         <p:nvPicPr>
-          <p:cNvPr id="1025" name="Picture 1"/>
+          <p:cNvPr id="3" name="Picture 1"/>
           <p:cNvPicPr>
             <a:picLocks noChangeAspect="1" noChangeArrowheads="1"/>
           </p:cNvPicPr>
@@ -4965,8 +5049,8 @@
         </p:blipFill>
         <p:spPr bwMode="auto">
           <a:xfrm>
-            <a:off x="276225" y="1124744"/>
-            <a:ext cx="8591550" cy="2295525"/>
+            <a:off x="247650" y="1061467"/>
+            <a:ext cx="8648700" cy="2295525"/>
           </a:xfrm>
           <a:prstGeom prst="rect">
             <a:avLst/>
@@ -5006,140 +5090,6 @@
           </a:extLst>
         </p:spPr>
       </p:pic>
-      <p:graphicFrame>
-        <p:nvGraphicFramePr>
-          <p:cNvPr id="9" name="8 Tabla"/>
-          <p:cNvGraphicFramePr>
-            <a:graphicFrameLocks noGrp="1"/>
-          </p:cNvGraphicFramePr>
-          <p:nvPr>
-            <p:extLst>
-              <p:ext uri="{D42A27DB-BD31-4B8C-83A1-F6EECF244321}">
-                <p14:modId xmlns:p14="http://schemas.microsoft.com/office/powerpoint/2010/main" val="1219531785"/>
-              </p:ext>
-            </p:extLst>
-          </p:nvPr>
-        </p:nvGraphicFramePr>
-        <p:xfrm>
-          <a:off x="1223250" y="5745192"/>
-          <a:ext cx="6696744" cy="741680"/>
-        </p:xfrm>
-        <a:graphic>
-          <a:graphicData uri="http://schemas.openxmlformats.org/drawingml/2006/table">
-            <a:tbl>
-              <a:tblPr firstRow="1" bandRow="1">
-                <a:effectLst>
-                  <a:outerShdw blurRad="50800" dist="38100" dir="2700000" algn="tl" rotWithShape="0">
-                    <a:prstClr val="black">
-                      <a:alpha val="40000"/>
-                    </a:prstClr>
-                  </a:outerShdw>
-                </a:effectLst>
-                <a:tableStyleId>{1E171933-4619-4E11-9A3F-F7608DF75F80}</a:tableStyleId>
-              </a:tblPr>
-              <a:tblGrid>
-                <a:gridCol w="2292653"/>
-                <a:gridCol w="2202045"/>
-                <a:gridCol w="2202046"/>
-              </a:tblGrid>
-              <a:tr h="370840">
-                <a:tc>
-                  <a:txBody>
-                    <a:bodyPr/>
-                    <a:lstStyle/>
-                    <a:p>
-                      <a:pPr algn="ctr"/>
-                      <a:r>
-                        <a:rPr lang="es-MX" dirty="0" smtClean="0"/>
-                        <a:t>Fecha Planeada</a:t>
-                      </a:r>
-                      <a:endParaRPr lang="es-MX" dirty="0"/>
-                    </a:p>
-                  </a:txBody>
-                  <a:tcPr/>
-                </a:tc>
-                <a:tc>
-                  <a:txBody>
-                    <a:bodyPr/>
-                    <a:lstStyle/>
-                    <a:p>
-                      <a:pPr algn="ctr"/>
-                      <a:r>
-                        <a:rPr lang="es-MX" dirty="0" smtClean="0"/>
-                        <a:t>Fecha Actual </a:t>
-                      </a:r>
-                      <a:endParaRPr lang="es-MX" dirty="0"/>
-                    </a:p>
-                  </a:txBody>
-                  <a:tcPr/>
-                </a:tc>
-                <a:tc>
-                  <a:txBody>
-                    <a:bodyPr/>
-                    <a:lstStyle/>
-                    <a:p>
-                      <a:pPr algn="ctr"/>
-                      <a:r>
-                        <a:rPr lang="es-MX" dirty="0" smtClean="0"/>
-                        <a:t>Fecha Pronosticada</a:t>
-                      </a:r>
-                      <a:endParaRPr lang="es-MX" dirty="0"/>
-                    </a:p>
-                  </a:txBody>
-                  <a:tcPr/>
-                </a:tc>
-              </a:tr>
-              <a:tr h="370840">
-                <a:tc>
-                  <a:txBody>
-                    <a:bodyPr/>
-                    <a:lstStyle/>
-                    <a:p>
-                      <a:pPr algn="ctr"/>
-                      <a:r>
-                        <a:rPr lang="es-MX" dirty="0" smtClean="0"/>
-                        <a:t>03/11/2013</a:t>
-                      </a:r>
-                      <a:endParaRPr lang="es-MX" dirty="0"/>
-                    </a:p>
-                  </a:txBody>
-                  <a:tcPr/>
-                </a:tc>
-                <a:tc>
-                  <a:txBody>
-                    <a:bodyPr/>
-                    <a:lstStyle/>
-                    <a:p>
-                      <a:pPr algn="ctr"/>
-                      <a:r>
-                        <a:rPr lang="es-MX" dirty="0" smtClean="0"/>
-                        <a:t>17/11/2013</a:t>
-                      </a:r>
-                      <a:endParaRPr lang="es-ES" dirty="0"/>
-                    </a:p>
-                  </a:txBody>
-                  <a:tcPr/>
-                </a:tc>
-                <a:tc>
-                  <a:txBody>
-                    <a:bodyPr/>
-                    <a:lstStyle/>
-                    <a:p>
-                      <a:pPr algn="ctr"/>
-                      <a:r>
-                        <a:rPr lang="es-MX" dirty="0" smtClean="0"/>
-                        <a:t>25/05/2014</a:t>
-                      </a:r>
-                      <a:endParaRPr lang="es-ES" dirty="0"/>
-                    </a:p>
-                  </a:txBody>
-                  <a:tcPr/>
-                </a:tc>
-              </a:tr>
-            </a:tbl>
-          </a:graphicData>
-        </a:graphic>
-      </p:graphicFrame>
     </p:spTree>
     <p:extLst>
       <p:ext uri="{BB962C8B-B14F-4D97-AF65-F5344CB8AC3E}">
@@ -5259,7 +5209,7 @@
         <p:spPr>
           <a:xfrm>
             <a:off x="389742" y="3429000"/>
-            <a:ext cx="8364516" cy="1569660"/>
+            <a:ext cx="8364516" cy="1938992"/>
           </a:xfrm>
           <a:prstGeom prst="rect">
             <a:avLst/>
@@ -5295,19 +5245,17 @@
             </a:pPr>
             <a:r>
               <a:rPr lang="es-MX" sz="2400" dirty="0" smtClean="0"/>
-              <a:t>Continuar con la carga extra de </a:t>
-            </a:r>
-            <a:r>
-              <a:rPr lang="es-MX" sz="2400" dirty="0" err="1" smtClean="0"/>
-              <a:t>task</a:t>
-            </a:r>
+              <a:t>25 TH hasta el 19 de agosto</a:t>
+            </a:r>
+          </a:p>
+          <a:p>
+            <a:pPr marL="342900" indent="-342900">
+              <a:buFont typeface="Arial" pitchFamily="34" charset="0"/>
+              <a:buChar char="•"/>
+            </a:pPr>
             <a:r>
               <a:rPr lang="es-MX" sz="2400" dirty="0" smtClean="0"/>
-              <a:t> </a:t>
-            </a:r>
-            <a:r>
-              <a:rPr lang="es-MX" sz="2400" dirty="0" err="1" smtClean="0"/>
-              <a:t>hours</a:t>
+              <a:t>30 TH hasta el 04 de noviembre</a:t>
             </a:r>
             <a:endParaRPr lang="es-MX" sz="2400" dirty="0" smtClean="0"/>
           </a:p>
@@ -5325,7 +5273,23 @@
             </a:r>
             <a:r>
               <a:rPr lang="es-MX" sz="2400" dirty="0" smtClean="0"/>
-              <a:t>: 27 de julio de 2013.</a:t>
+              <a:t>: </a:t>
+            </a:r>
+            <a:r>
+              <a:rPr lang="es-MX" sz="2400" dirty="0" smtClean="0"/>
+              <a:t>04 </a:t>
+            </a:r>
+            <a:r>
+              <a:rPr lang="es-MX" sz="2400" dirty="0" smtClean="0"/>
+              <a:t>de </a:t>
+            </a:r>
+            <a:r>
+              <a:rPr lang="es-MX" sz="2400" dirty="0" smtClean="0"/>
+              <a:t>noviembre </a:t>
+            </a:r>
+            <a:r>
+              <a:rPr lang="es-MX" sz="2400" dirty="0" smtClean="0"/>
+              <a:t>de 2013.</a:t>
             </a:r>
           </a:p>
         </p:txBody>
@@ -5407,14 +5371,14 @@
             <p:ph idx="1"/>
             <p:extLst>
               <p:ext uri="{D42A27DB-BD31-4B8C-83A1-F6EECF244321}">
-                <p14:modId xmlns:p14="http://schemas.microsoft.com/office/powerpoint/2010/main" val="748147472"/>
+                <p14:modId xmlns:p14="http://schemas.microsoft.com/office/powerpoint/2010/main" val="2270054421"/>
               </p:ext>
             </p:extLst>
           </p:nvPr>
         </p:nvGraphicFramePr>
         <p:xfrm>
           <a:off x="457200" y="4404712"/>
-          <a:ext cx="8229600" cy="1381760"/>
+          <a:ext cx="8229600" cy="1112520"/>
         </p:xfrm>
         <a:graphic>
           <a:graphicData uri="http://schemas.openxmlformats.org/drawingml/2006/table">
@@ -5493,10 +5457,7 @@
                         <a:tabLst/>
                         <a:defRPr/>
                       </a:pPr>
-                      <a:r>
-                        <a:rPr lang="es-MX" baseline="0" dirty="0" smtClean="0"/>
-                        <a:t>Propongo se me asigne este producto para continuar con el siguiente</a:t>
-                      </a:r>
+                      <a:endParaRPr lang="es-MX" baseline="0" dirty="0" smtClean="0"/>
                     </a:p>
                   </a:txBody>
                   <a:tcPr/>
@@ -17810,14 +17771,14 @@
           <p:nvPr>
             <p:extLst>
               <p:ext uri="{D42A27DB-BD31-4B8C-83A1-F6EECF244321}">
-                <p14:modId xmlns:p14="http://schemas.microsoft.com/office/powerpoint/2010/main" val="402848797"/>
+                <p14:modId xmlns:p14="http://schemas.microsoft.com/office/powerpoint/2010/main" val="4266144583"/>
               </p:ext>
             </p:extLst>
           </p:nvPr>
         </p:nvGraphicFramePr>
         <p:xfrm>
           <a:off x="762000" y="2060848"/>
-          <a:ext cx="7315200" cy="960120"/>
+          <a:ext cx="7315200" cy="701040"/>
         </p:xfrm>
         <a:graphic>
           <a:graphicData uri="http://schemas.openxmlformats.org/drawingml/2006/table">
@@ -17867,12 +17828,6 @@
                     <a:bodyPr/>
                     <a:lstStyle/>
                     <a:p>
-                      <a:r>
-                        <a:rPr lang="es-MX" sz="1700" dirty="0" smtClean="0"/>
-                        <a:t>Periodicidad</a:t>
-                      </a:r>
-                    </a:p>
-                    <a:p>
                       <a:endParaRPr lang="es-MX" sz="1700" dirty="0" smtClean="0"/>
                     </a:p>
                   </a:txBody>
@@ -17883,10 +17838,6 @@
                     <a:bodyPr/>
                     <a:lstStyle/>
                     <a:p>
-                      <a:r>
-                        <a:rPr lang="es-MX" sz="1700" dirty="0" smtClean="0"/>
-                        <a:t>El bloqueo y desbloqueo de medición  lo estamos proponiendo manual</a:t>
-                      </a:r>
                       <a:endParaRPr lang="es-MX" sz="1700" dirty="0"/>
                     </a:p>
                   </a:txBody>
@@ -17906,14 +17857,14 @@
           <p:nvPr>
             <p:extLst>
               <p:ext uri="{D42A27DB-BD31-4B8C-83A1-F6EECF244321}">
-                <p14:modId xmlns:p14="http://schemas.microsoft.com/office/powerpoint/2010/main" val="3136859453"/>
+                <p14:modId xmlns:p14="http://schemas.microsoft.com/office/powerpoint/2010/main" val="3612231008"/>
               </p:ext>
             </p:extLst>
           </p:nvPr>
         </p:nvGraphicFramePr>
         <p:xfrm>
-          <a:off x="785192" y="3664064"/>
-          <a:ext cx="7315200" cy="2606040"/>
+          <a:off x="785192" y="3356992"/>
+          <a:ext cx="7315200" cy="2865120"/>
         </p:xfrm>
         <a:graphic>
           <a:graphicData uri="http://schemas.openxmlformats.org/drawingml/2006/table">
@@ -17986,52 +17937,59 @@
                       </a:pPr>
                       <a:r>
                         <a:rPr lang="es-MX" sz="1700" dirty="0" smtClean="0"/>
-                        <a:t>Sesión semanal de aclaración</a:t>
+                        <a:t>El bloqueo y desbloqueo de medición  lo estamos proponiendo manual</a:t>
+                      </a:r>
+                    </a:p>
+                    <a:p>
+                      <a:endParaRPr lang="es-MX" sz="1700" dirty="0"/>
+                    </a:p>
+                  </a:txBody>
+                  <a:tcPr/>
+                </a:tc>
+                <a:tc>
+                  <a:txBody>
+                    <a:bodyPr/>
+                    <a:lstStyle/>
+                    <a:p>
+                      <a:pPr marL="0" indent="0">
+                        <a:buFont typeface="+mj-lt"/>
+                        <a:buNone/>
+                      </a:pPr>
+                      <a:r>
+                        <a:rPr lang="es-MX" sz="1700" dirty="0" smtClean="0"/>
+                        <a:t>Levantamiento</a:t>
                       </a:r>
                       <a:r>
                         <a:rPr lang="es-MX" sz="1700" baseline="0" dirty="0" smtClean="0"/>
-                        <a:t> de dudas con el cliente</a:t>
-                      </a:r>
+                        <a:t> de requerimientos y a</a:t>
+                      </a:r>
+                      <a:r>
+                        <a:rPr lang="es-MX" sz="1700" dirty="0" smtClean="0"/>
+                        <a:t>nálisis</a:t>
+                      </a:r>
+                      <a:r>
+                        <a:rPr lang="es-MX" sz="1700" baseline="0" dirty="0" smtClean="0"/>
+                        <a:t> de requerimientos</a:t>
+                      </a:r>
+                    </a:p>
+                    <a:p>
+                      <a:pPr marL="0" indent="0">
+                        <a:buFont typeface="+mj-lt"/>
+                        <a:buNone/>
+                      </a:pPr>
                       <a:endParaRPr lang="es-MX" sz="1700" dirty="0" smtClean="0"/>
                     </a:p>
-                    <a:p>
-                      <a:endParaRPr lang="es-MX" sz="1700" dirty="0"/>
-                    </a:p>
-                  </a:txBody>
-                  <a:tcPr/>
-                </a:tc>
-                <a:tc>
-                  <a:txBody>
-                    <a:bodyPr/>
-                    <a:lstStyle/>
-                    <a:p>
-                      <a:r>
-                        <a:rPr lang="es-MX" sz="1700" dirty="0" smtClean="0"/>
-                        <a:t>Miércoles 3 de julio,</a:t>
-                      </a:r>
-                      <a:r>
-                        <a:rPr lang="es-MX" sz="1700" baseline="0" dirty="0" smtClean="0"/>
-                        <a:t> preparen por escrito las dudas.</a:t>
-                      </a:r>
-                    </a:p>
-                    <a:p>
-                      <a:r>
-                        <a:rPr lang="es-MX" sz="1700" baseline="0" dirty="0" smtClean="0"/>
-                        <a:t>De los punto a tratar están:</a:t>
-                      </a:r>
-                    </a:p>
-                    <a:p>
-                      <a:pPr marL="342900" indent="-342900">
-                        <a:buFont typeface="+mj-lt"/>
-                        <a:buAutoNum type="arabicPeriod"/>
-                      </a:pPr>
-                      <a:r>
-                        <a:rPr lang="es-MX" sz="1700" baseline="0" dirty="0" smtClean="0"/>
-                        <a:t>Tabla de datos</a:t>
-                      </a:r>
-                    </a:p>
-                    <a:p>
-                      <a:pPr marL="342900" marR="0" indent="-342900" algn="l" defTabSz="914400" rtl="0" eaLnBrk="1" fontAlgn="auto" latinLnBrk="0" hangingPunct="1">
+                  </a:txBody>
+                  <a:tcPr/>
+                </a:tc>
+              </a:tr>
+              <a:tr h="335280">
+                <a:tc>
+                  <a:txBody>
+                    <a:bodyPr/>
+                    <a:lstStyle/>
+                    <a:p>
+                      <a:pPr marL="0" marR="0" indent="0" algn="l" defTabSz="914400" rtl="0" eaLnBrk="1" fontAlgn="auto" latinLnBrk="0" hangingPunct="1">
                         <a:lnSpc>
                           <a:spcPct val="100000"/>
                         </a:lnSpc>
@@ -18043,67 +18001,38 @@
                         </a:spcAft>
                         <a:buClrTx/>
                         <a:buSzTx/>
-                        <a:buFont typeface="+mj-lt"/>
-                        <a:buAutoNum type="arabicPeriod"/>
+                        <a:buFontTx/>
+                        <a:buNone/>
                         <a:tabLst/>
                         <a:defRPr/>
                       </a:pPr>
                       <a:r>
                         <a:rPr lang="es-MX" sz="1700" dirty="0" smtClean="0"/>
-                        <a:t>Revisar</a:t>
+                        <a:t>Documentar las diferencias entre las pantallas de estados y períodos y considerarlas para un estándar. En la siguiente reunión se planean los cambios en los productos.</a:t>
+                      </a:r>
+                    </a:p>
+                    <a:p>
+                      <a:endParaRPr lang="es-MX" sz="1700" dirty="0"/>
+                    </a:p>
+                  </a:txBody>
+                  <a:tcPr/>
+                </a:tc>
+                <a:tc>
+                  <a:txBody>
+                    <a:bodyPr/>
+                    <a:lstStyle/>
+                    <a:p>
+                      <a:r>
+                        <a:rPr lang="es-MX" sz="1700" dirty="0" smtClean="0"/>
+                        <a:t>L</a:t>
                       </a:r>
                       <a:r>
                         <a:rPr lang="es-MX" sz="1700" baseline="0" dirty="0" smtClean="0"/>
-                        <a:t> el bloqueo de periodicidades (no automático)</a:t>
-                      </a:r>
-                      <a:endParaRPr lang="es-MX" sz="1700" dirty="0" smtClean="0"/>
-                    </a:p>
-                    <a:p>
-                      <a:pPr marL="342900" indent="-342900">
-                        <a:buFont typeface="+mj-lt"/>
-                        <a:buAutoNum type="arabicPeriod"/>
-                      </a:pPr>
-                      <a:endParaRPr lang="es-MX" sz="1700" dirty="0" smtClean="0"/>
-                    </a:p>
-                  </a:txBody>
-                  <a:tcPr/>
-                </a:tc>
-              </a:tr>
-              <a:tr h="335280">
-                <a:tc>
-                  <a:txBody>
-                    <a:bodyPr/>
-                    <a:lstStyle/>
-                    <a:p>
-                      <a:r>
-                        <a:rPr lang="es-MX" sz="1700" dirty="0" smtClean="0"/>
-                        <a:t>Look &amp; </a:t>
-                      </a:r>
-                      <a:r>
-                        <a:rPr lang="es-MX" sz="1700" dirty="0" err="1" smtClean="0"/>
-                        <a:t>feel</a:t>
-                      </a:r>
-                      <a:r>
-                        <a:rPr lang="es-MX" sz="1700" dirty="0" smtClean="0"/>
-                        <a:t> de estados y períodos</a:t>
-                      </a:r>
-                      <a:endParaRPr lang="es-MX" sz="1700" dirty="0"/>
-                    </a:p>
-                  </a:txBody>
-                  <a:tcPr/>
-                </a:tc>
-                <a:tc>
-                  <a:txBody>
-                    <a:bodyPr/>
-                    <a:lstStyle/>
-                    <a:p>
-                      <a:r>
-                        <a:rPr lang="es-MX" sz="1700" dirty="0" smtClean="0"/>
-                        <a:t>Respetar el</a:t>
+                        <a:t>ook </a:t>
                       </a:r>
                       <a:r>
                         <a:rPr lang="es-MX" sz="1700" baseline="0" dirty="0" smtClean="0"/>
-                        <a:t> look &amp; </a:t>
+                        <a:t>&amp; </a:t>
                       </a:r>
                       <a:r>
                         <a:rPr lang="es-MX" sz="1700" baseline="0" dirty="0" err="1" smtClean="0"/>
@@ -18111,7 +18040,15 @@
                       </a:r>
                       <a:r>
                         <a:rPr lang="es-MX" sz="1700" baseline="0" dirty="0" smtClean="0"/>
-                        <a:t> de SWB</a:t>
+                        <a:t> de </a:t>
+                      </a:r>
+                      <a:r>
+                        <a:rPr lang="es-MX" sz="1700" baseline="0" dirty="0" smtClean="0"/>
+                        <a:t>SWB </a:t>
+                      </a:r>
+                      <a:r>
+                        <a:rPr lang="es-MX" sz="1700" baseline="0" dirty="0" err="1" smtClean="0"/>
+                        <a:t>Strategy</a:t>
                       </a:r>
                       <a:endParaRPr lang="es-MX" sz="1700" dirty="0" smtClean="0"/>
                     </a:p>

--- a/swbproys/gestor-bsc/doc/weekly/05_20130709/Junta semanal interna.pptx
+++ b/swbproys/gestor-bsc/doc/weekly/05_20130709/Junta semanal interna.pptx
@@ -4127,11 +4127,7 @@
                       </a:pPr>
                       <a:r>
                         <a:rPr lang="es-MX" sz="1600" baseline="0" dirty="0" smtClean="0"/>
-                        <a:t>Revisar resultados de pruebas </a:t>
-                      </a:r>
-                      <a:r>
-                        <a:rPr lang="es-MX" sz="1600" baseline="0" dirty="0" smtClean="0"/>
-                        <a:t>por:</a:t>
+                        <a:t>Revisar resultados de pruebas por:</a:t>
                       </a:r>
                     </a:p>
                     <a:p>
@@ -4184,11 +4180,7 @@
                       </a:pPr>
                       <a:r>
                         <a:rPr lang="es-MX" sz="1600" baseline="0" dirty="0" smtClean="0"/>
-                        <a:t>Revisar resultados de pruebas </a:t>
-                      </a:r>
-                      <a:r>
-                        <a:rPr lang="es-MX" sz="1600" baseline="0" dirty="0" smtClean="0"/>
-                        <a:t>por:</a:t>
+                        <a:t>Revisar resultados de pruebas por:</a:t>
                       </a:r>
                     </a:p>
                     <a:p>
@@ -4706,11 +4698,7 @@
                     <a:p>
                       <a:r>
                         <a:rPr lang="es-MX" dirty="0" smtClean="0"/>
-                        <a:t>49 </a:t>
-                      </a:r>
-                      <a:r>
-                        <a:rPr lang="es-MX" dirty="0" smtClean="0"/>
-                        <a:t>%</a:t>
+                        <a:t>49 %</a:t>
                       </a:r>
                       <a:endParaRPr lang="es-MX" dirty="0"/>
                     </a:p>
@@ -5257,7 +5245,6 @@
               <a:rPr lang="es-MX" sz="2400" dirty="0" smtClean="0"/>
               <a:t>30 TH hasta el 04 de noviembre</a:t>
             </a:r>
-            <a:endParaRPr lang="es-MX" sz="2400" dirty="0" smtClean="0"/>
           </a:p>
           <a:p>
             <a:endParaRPr lang="es-MX" sz="2400" dirty="0" smtClean="0"/>
@@ -5273,23 +5260,7 @@
             </a:r>
             <a:r>
               <a:rPr lang="es-MX" sz="2400" dirty="0" smtClean="0"/>
-              <a:t>: </a:t>
-            </a:r>
-            <a:r>
-              <a:rPr lang="es-MX" sz="2400" dirty="0" smtClean="0"/>
-              <a:t>04 </a:t>
-            </a:r>
-            <a:r>
-              <a:rPr lang="es-MX" sz="2400" dirty="0" smtClean="0"/>
-              <a:t>de </a:t>
-            </a:r>
-            <a:r>
-              <a:rPr lang="es-MX" sz="2400" dirty="0" smtClean="0"/>
-              <a:t>noviembre </a:t>
-            </a:r>
-            <a:r>
-              <a:rPr lang="es-MX" sz="2400" dirty="0" smtClean="0"/>
-              <a:t>de 2013.</a:t>
+              <a:t>: 04 de noviembre de 2013.</a:t>
             </a:r>
           </a:p>
         </p:txBody>
@@ -13831,14 +13802,14 @@
           <p:nvPr>
             <p:extLst>
               <p:ext uri="{D42A27DB-BD31-4B8C-83A1-F6EECF244321}">
-                <p14:modId xmlns:p14="http://schemas.microsoft.com/office/powerpoint/2010/main" val="293435862"/>
+                <p14:modId xmlns:p14="http://schemas.microsoft.com/office/powerpoint/2010/main" val="4180995736"/>
               </p:ext>
             </p:extLst>
           </p:nvPr>
         </p:nvGraphicFramePr>
         <p:xfrm>
           <a:off x="611560" y="1268760"/>
-          <a:ext cx="7848872" cy="5842884"/>
+          <a:ext cx="8208912" cy="5477124"/>
         </p:xfrm>
         <a:graphic>
           <a:graphicData uri="http://schemas.openxmlformats.org/drawingml/2006/table">
@@ -13847,9 +13818,9 @@
                 <a:tableStyleId>{5C22544A-7EE6-4342-B048-85BDC9FD1C3A}</a:tableStyleId>
               </a:tblPr>
               <a:tblGrid>
-                <a:gridCol w="4232603"/>
-                <a:gridCol w="989822"/>
-                <a:gridCol w="2626447"/>
+                <a:gridCol w="3600400"/>
+                <a:gridCol w="648072"/>
+                <a:gridCol w="3960440"/>
               </a:tblGrid>
               <a:tr h="392779">
                 <a:tc gridSpan="3">
@@ -13912,12 +13883,12 @@
                         <a:defRPr/>
                       </a:pPr>
                       <a:r>
-                        <a:rPr lang="es-MX" sz="1800" u="none" strike="noStrike" dirty="0" smtClean="0">
+                        <a:rPr lang="es-MX" sz="1600" u="none" strike="noStrike" dirty="0" smtClean="0">
                           <a:effectLst/>
                         </a:rPr>
                         <a:t>Completar las funcionalidades proporcionadas por el cliente en su documento</a:t>
                       </a:r>
-                      <a:endParaRPr lang="es-MX" sz="1800" b="0" i="0" u="none" strike="noStrike" dirty="0" smtClean="0">
+                      <a:endParaRPr lang="es-MX" sz="1600" b="0" i="0" u="none" strike="noStrike" dirty="0" smtClean="0">
                         <a:solidFill>
                           <a:srgbClr val="000000"/>
                         </a:solidFill>
@@ -13934,20 +13905,20 @@
                     <a:lstStyle/>
                     <a:p>
                       <a:r>
-                        <a:rPr lang="es-MX" dirty="0" smtClean="0"/>
+                        <a:rPr lang="es-MX" sz="1600" dirty="0" smtClean="0"/>
                         <a:t>CIRI</a:t>
                       </a:r>
-                      <a:endParaRPr lang="es-ES" dirty="0"/>
-                    </a:p>
-                  </a:txBody>
-                  <a:tcPr/>
-                </a:tc>
-                <a:tc>
-                  <a:txBody>
-                    <a:bodyPr/>
-                    <a:lstStyle/>
-                    <a:p>
-                      <a:endParaRPr lang="es-ES"/>
+                      <a:endParaRPr lang="es-ES" sz="1600" dirty="0"/>
+                    </a:p>
+                  </a:txBody>
+                  <a:tcPr/>
+                </a:tc>
+                <a:tc>
+                  <a:txBody>
+                    <a:bodyPr/>
+                    <a:lstStyle/>
+                    <a:p>
+                      <a:endParaRPr lang="es-ES" sz="1600"/>
                     </a:p>
                   </a:txBody>
                   <a:tcPr/>
@@ -13960,54 +13931,54 @@
                     <a:lstStyle/>
                     <a:p>
                       <a:r>
-                        <a:rPr lang="es-MX" sz="1800" u="none" strike="noStrike" dirty="0" smtClean="0">
+                        <a:rPr lang="es-MX" sz="1600" u="none" strike="noStrike" dirty="0" smtClean="0">
                           <a:effectLst/>
                         </a:rPr>
                         <a:t>Terminar el primer ciclo del proyecto en octubre</a:t>
                       </a:r>
-                      <a:endParaRPr lang="es-ES" dirty="0"/>
-                    </a:p>
-                  </a:txBody>
-                  <a:tcPr/>
-                </a:tc>
-                <a:tc>
-                  <a:txBody>
-                    <a:bodyPr/>
-                    <a:lstStyle/>
-                    <a:p>
-                      <a:r>
-                        <a:rPr lang="es-ES" sz="1800" u="none" strike="noStrike" dirty="0" smtClean="0">
+                      <a:endParaRPr lang="es-ES" sz="1600" dirty="0"/>
+                    </a:p>
+                  </a:txBody>
+                  <a:tcPr/>
+                </a:tc>
+                <a:tc>
+                  <a:txBody>
+                    <a:bodyPr/>
+                    <a:lstStyle/>
+                    <a:p>
+                      <a:r>
+                        <a:rPr lang="es-ES" sz="1600" u="none" strike="noStrike" dirty="0" smtClean="0">
                           <a:effectLst/>
                         </a:rPr>
                         <a:t>MEJS</a:t>
                       </a:r>
-                      <a:endParaRPr lang="es-ES" dirty="0"/>
-                    </a:p>
-                  </a:txBody>
-                  <a:tcPr/>
-                </a:tc>
-                <a:tc>
-                  <a:txBody>
-                    <a:bodyPr/>
-                    <a:lstStyle/>
-                    <a:p>
-                      <a:r>
-                        <a:rPr lang="es-MX" dirty="0" smtClean="0">
+                      <a:endParaRPr lang="es-ES" sz="1600" dirty="0"/>
+                    </a:p>
+                  </a:txBody>
+                  <a:tcPr/>
+                </a:tc>
+                <a:tc>
+                  <a:txBody>
+                    <a:bodyPr/>
+                    <a:lstStyle/>
+                    <a:p>
+                      <a:r>
+                        <a:rPr lang="es-MX" sz="1600" baseline="0" dirty="0" smtClean="0">
                           <a:solidFill>
                             <a:schemeClr val="tx1"/>
                           </a:solidFill>
                         </a:rPr>
-                        <a:t>El</a:t>
-                      </a:r>
-                      <a:r>
-                        <a:rPr lang="es-MX" baseline="0" dirty="0" smtClean="0">
+                        <a:t>No se cumplirá la meta debido a la subestimación del 66% por lo que se </a:t>
+                      </a:r>
+                      <a:r>
+                        <a:rPr lang="es-MX" sz="1600" baseline="0" dirty="0" smtClean="0">
                           <a:solidFill>
                             <a:schemeClr val="tx1"/>
                           </a:solidFill>
                         </a:rPr>
-                        <a:t> proyecto se encuentra atrasado.  Se propone que se incorporen 7 recursos adicionales</a:t>
-                      </a:r>
-                      <a:endParaRPr lang="es-ES" dirty="0">
+                        <a:t>propone que se incorporen 7 recursos adicionales</a:t>
+                      </a:r>
+                      <a:endParaRPr lang="es-ES" sz="1600" dirty="0">
                         <a:solidFill>
                           <a:schemeClr val="tx1"/>
                         </a:solidFill>
@@ -14041,12 +14012,12 @@
                         <a:defRPr/>
                       </a:pPr>
                       <a:r>
-                        <a:rPr lang="es-MX" sz="1800" u="none" strike="noStrike" dirty="0" smtClean="0">
+                        <a:rPr lang="es-MX" sz="1600" u="none" strike="noStrike" dirty="0" smtClean="0">
                           <a:effectLst/>
                         </a:rPr>
                         <a:t>Proveer oportunamente la información del proyecto acordada con el administrador del proyecto</a:t>
                       </a:r>
-                      <a:endParaRPr lang="es-MX" sz="1800" b="0" i="0" u="none" strike="noStrike" dirty="0" smtClean="0">
+                      <a:endParaRPr lang="es-MX" sz="1600" b="0" i="0" u="none" strike="noStrike" dirty="0" smtClean="0">
                         <a:solidFill>
                           <a:srgbClr val="000000"/>
                         </a:solidFill>
@@ -14063,22 +14034,22 @@
                     <a:lstStyle/>
                     <a:p>
                       <a:r>
-                        <a:rPr lang="es-ES" sz="1800" u="none" strike="noStrike" dirty="0" smtClean="0">
+                        <a:rPr lang="es-ES" sz="1600" u="none" strike="noStrike" dirty="0" smtClean="0">
                           <a:effectLst/>
                         </a:rPr>
                         <a:t>CIRI</a:t>
                       </a:r>
-                      <a:endParaRPr lang="es-ES" dirty="0"/>
-                    </a:p>
-                  </a:txBody>
-                  <a:tcPr/>
-                </a:tc>
-                <a:tc>
-                  <a:txBody>
-                    <a:bodyPr/>
-                    <a:lstStyle/>
-                    <a:p>
-                      <a:endParaRPr lang="es-ES" dirty="0"/>
+                      <a:endParaRPr lang="es-ES" sz="1600" dirty="0"/>
+                    </a:p>
+                  </a:txBody>
+                  <a:tcPr/>
+                </a:tc>
+                <a:tc>
+                  <a:txBody>
+                    <a:bodyPr/>
+                    <a:lstStyle/>
+                    <a:p>
+                      <a:endParaRPr lang="es-ES" sz="1600" dirty="0"/>
                     </a:p>
                   </a:txBody>
                   <a:tcPr/>
@@ -14108,24 +14079,24 @@
                         <a:defRPr/>
                       </a:pPr>
                       <a:r>
-                        <a:rPr lang="es-MX" sz="1800" u="none" strike="noStrike" dirty="0" smtClean="0">
+                        <a:rPr lang="es-MX" sz="1600" u="none" strike="noStrike" dirty="0" smtClean="0">
                           <a:effectLst/>
                         </a:rPr>
                         <a:t>Generar </a:t>
                       </a:r>
                       <a:r>
-                        <a:rPr lang="es-MX" sz="1800" u="none" strike="noStrike" dirty="0" err="1" smtClean="0">
+                        <a:rPr lang="es-MX" sz="1600" u="none" strike="noStrike" dirty="0" err="1" smtClean="0">
                           <a:effectLst/>
                         </a:rPr>
                         <a:t>pips</a:t>
                       </a:r>
                       <a:r>
-                        <a:rPr lang="es-MX" sz="1800" u="none" strike="noStrike" dirty="0" smtClean="0">
+                        <a:rPr lang="es-MX" sz="1600" u="none" strike="noStrike" dirty="0" smtClean="0">
                           <a:effectLst/>
                         </a:rPr>
                         <a:t> para el proceso de desarrollo de software</a:t>
                       </a:r>
-                      <a:endParaRPr lang="es-MX" sz="1800" b="0" i="0" u="none" strike="noStrike" dirty="0" smtClean="0">
+                      <a:endParaRPr lang="es-MX" sz="1600" b="0" i="0" u="none" strike="noStrike" dirty="0" smtClean="0">
                         <a:solidFill>
                           <a:srgbClr val="000000"/>
                         </a:solidFill>
@@ -14142,26 +14113,26 @@
                     <a:lstStyle/>
                     <a:p>
                       <a:r>
-                        <a:rPr lang="es-ES" sz="1800" u="none" strike="noStrike" dirty="0" smtClean="0">
+                        <a:rPr lang="es-ES" sz="1600" u="none" strike="noStrike" dirty="0" smtClean="0">
                           <a:effectLst/>
                         </a:rPr>
                         <a:t>JRJN</a:t>
                       </a:r>
-                      <a:endParaRPr lang="es-ES" dirty="0"/>
-                    </a:p>
-                  </a:txBody>
-                  <a:tcPr/>
-                </a:tc>
-                <a:tc>
-                  <a:txBody>
-                    <a:bodyPr/>
-                    <a:lstStyle/>
-                    <a:p>
-                      <a:r>
-                        <a:rPr lang="es-MX" dirty="0" smtClean="0"/>
+                      <a:endParaRPr lang="es-ES" sz="1600" dirty="0"/>
+                    </a:p>
+                  </a:txBody>
+                  <a:tcPr/>
+                </a:tc>
+                <a:tc>
+                  <a:txBody>
+                    <a:bodyPr/>
+                    <a:lstStyle/>
+                    <a:p>
+                      <a:r>
+                        <a:rPr lang="es-MX" sz="1600" dirty="0" smtClean="0"/>
                         <a:t>Avance del 33%</a:t>
                       </a:r>
-                      <a:endParaRPr lang="es-ES" dirty="0"/>
+                      <a:endParaRPr lang="es-ES" sz="1600" dirty="0"/>
                     </a:p>
                   </a:txBody>
                   <a:tcPr/>
@@ -14191,12 +14162,12 @@
                         <a:defRPr/>
                       </a:pPr>
                       <a:r>
-                        <a:rPr lang="es-MX" sz="1800" u="none" strike="noStrike" dirty="0" smtClean="0">
+                        <a:rPr lang="es-MX" sz="1600" u="none" strike="noStrike" dirty="0" smtClean="0">
                           <a:effectLst/>
                         </a:rPr>
                         <a:t>Recopilar métricas correctas de la ejecución completa de los procesos</a:t>
                       </a:r>
-                      <a:endParaRPr lang="es-MX" sz="1800" b="0" i="0" u="none" strike="noStrike" dirty="0" smtClean="0">
+                      <a:endParaRPr lang="es-MX" sz="1600" b="0" i="0" u="none" strike="noStrike" dirty="0" smtClean="0">
                         <a:solidFill>
                           <a:srgbClr val="000000"/>
                         </a:solidFill>
@@ -14213,26 +14184,26 @@
                     <a:lstStyle/>
                     <a:p>
                       <a:r>
-                        <a:rPr lang="es-ES" sz="1800" u="none" strike="noStrike" dirty="0" smtClean="0">
+                        <a:rPr lang="es-ES" sz="1600" u="none" strike="noStrike" dirty="0" smtClean="0">
                           <a:effectLst/>
                         </a:rPr>
                         <a:t>JRJN</a:t>
                       </a:r>
-                      <a:endParaRPr lang="es-ES" dirty="0"/>
-                    </a:p>
-                  </a:txBody>
-                  <a:tcPr/>
-                </a:tc>
-                <a:tc>
-                  <a:txBody>
-                    <a:bodyPr/>
-                    <a:lstStyle/>
-                    <a:p>
-                      <a:r>
-                        <a:rPr lang="es-MX" dirty="0" smtClean="0"/>
+                      <a:endParaRPr lang="es-ES" sz="1600" dirty="0"/>
+                    </a:p>
+                  </a:txBody>
+                  <a:tcPr/>
+                </a:tc>
+                <a:tc>
+                  <a:txBody>
+                    <a:bodyPr/>
+                    <a:lstStyle/>
+                    <a:p>
+                      <a:r>
+                        <a:rPr lang="es-MX" sz="1600" dirty="0" smtClean="0"/>
                         <a:t>En progreso</a:t>
                       </a:r>
-                      <a:endParaRPr lang="es-ES" dirty="0"/>
+                      <a:endParaRPr lang="es-ES" sz="1600" dirty="0"/>
                     </a:p>
                   </a:txBody>
                   <a:tcPr/>
@@ -14262,12 +14233,12 @@
                         <a:defRPr/>
                       </a:pPr>
                       <a:r>
-                        <a:rPr lang="es-MX" sz="1800" u="none" strike="noStrike" dirty="0" smtClean="0">
+                        <a:rPr lang="es-MX" sz="1600" u="none" strike="noStrike" dirty="0" smtClean="0">
                           <a:effectLst/>
                         </a:rPr>
                         <a:t>Defectos mayores entregados al área de pruebas</a:t>
                       </a:r>
-                      <a:endParaRPr lang="es-MX" sz="1800" b="0" i="0" u="none" strike="noStrike" dirty="0" smtClean="0">
+                      <a:endParaRPr lang="es-MX" sz="1600" b="0" i="0" u="none" strike="noStrike" dirty="0" smtClean="0">
                         <a:solidFill>
                           <a:srgbClr val="000000"/>
                         </a:solidFill>
@@ -14284,20 +14255,20 @@
                     <a:lstStyle/>
                     <a:p>
                       <a:r>
-                        <a:rPr lang="es-MX" dirty="0" smtClean="0"/>
+                        <a:rPr lang="es-MX" sz="1600" dirty="0" smtClean="0"/>
                         <a:t>JRJN</a:t>
                       </a:r>
-                      <a:endParaRPr lang="es-ES" dirty="0"/>
-                    </a:p>
-                  </a:txBody>
-                  <a:tcPr/>
-                </a:tc>
-                <a:tc>
-                  <a:txBody>
-                    <a:bodyPr/>
-                    <a:lstStyle/>
-                    <a:p>
-                      <a:endParaRPr lang="es-ES" dirty="0"/>
+                      <a:endParaRPr lang="es-ES" sz="1600" dirty="0"/>
+                    </a:p>
+                  </a:txBody>
+                  <a:tcPr/>
+                </a:tc>
+                <a:tc>
+                  <a:txBody>
+                    <a:bodyPr/>
+                    <a:lstStyle/>
+                    <a:p>
+                      <a:endParaRPr lang="es-ES" sz="1600" dirty="0"/>
                     </a:p>
                   </a:txBody>
                   <a:tcPr/>
@@ -14376,14 +14347,14 @@
           <p:nvPr>
             <p:extLst>
               <p:ext uri="{D42A27DB-BD31-4B8C-83A1-F6EECF244321}">
-                <p14:modId xmlns:p14="http://schemas.microsoft.com/office/powerpoint/2010/main" val="2272338377"/>
+                <p14:modId xmlns:p14="http://schemas.microsoft.com/office/powerpoint/2010/main" val="437475526"/>
               </p:ext>
             </p:extLst>
           </p:nvPr>
         </p:nvGraphicFramePr>
         <p:xfrm>
           <a:off x="611560" y="1268760"/>
-          <a:ext cx="7848872" cy="4847715"/>
+          <a:ext cx="7848872" cy="5182995"/>
         </p:xfrm>
         <a:graphic>
           <a:graphicData uri="http://schemas.openxmlformats.org/drawingml/2006/table">
@@ -14457,12 +14428,12 @@
                         <a:defRPr/>
                       </a:pPr>
                       <a:r>
-                        <a:rPr lang="es-MX" sz="1800" u="none" strike="noStrike" dirty="0" smtClean="0">
+                        <a:rPr lang="es-MX" sz="1600" u="none" strike="noStrike" dirty="0" smtClean="0">
                           <a:effectLst/>
                         </a:rPr>
                         <a:t>Las funcionalidades cubiertas son menos a las esperadas</a:t>
                       </a:r>
-                      <a:endParaRPr lang="es-MX" sz="1800" b="0" i="0" u="none" strike="noStrike" dirty="0" smtClean="0">
+                      <a:endParaRPr lang="es-MX" sz="1600" b="0" i="0" u="none" strike="noStrike" dirty="0" smtClean="0">
                         <a:solidFill>
                           <a:srgbClr val="000000"/>
                         </a:solidFill>
@@ -14479,20 +14450,20 @@
                     <a:lstStyle/>
                     <a:p>
                       <a:r>
-                        <a:rPr lang="es-MX" dirty="0" smtClean="0"/>
+                        <a:rPr lang="es-MX" sz="1600" dirty="0" smtClean="0"/>
                         <a:t>CIRI</a:t>
                       </a:r>
-                      <a:endParaRPr lang="es-ES" dirty="0"/>
-                    </a:p>
-                  </a:txBody>
-                  <a:tcPr/>
-                </a:tc>
-                <a:tc>
-                  <a:txBody>
-                    <a:bodyPr/>
-                    <a:lstStyle/>
-                    <a:p>
-                      <a:endParaRPr lang="es-ES" dirty="0"/>
+                      <a:endParaRPr lang="es-ES" sz="1600" dirty="0"/>
+                    </a:p>
+                  </a:txBody>
+                  <a:tcPr/>
+                </a:tc>
+                <a:tc>
+                  <a:txBody>
+                    <a:bodyPr/>
+                    <a:lstStyle/>
+                    <a:p>
+                      <a:endParaRPr lang="es-ES" sz="1600" dirty="0"/>
                     </a:p>
                   </a:txBody>
                   <a:tcPr/>
@@ -14505,44 +14476,48 @@
                     <a:lstStyle/>
                     <a:p>
                       <a:r>
-                        <a:rPr lang="es-MX" sz="1800" u="none" strike="noStrike" dirty="0" smtClean="0">
+                        <a:rPr lang="es-MX" sz="1600" u="none" strike="noStrike" dirty="0" smtClean="0">
                           <a:effectLst/>
                         </a:rPr>
                         <a:t>Mala estimación de tiempo y tamaño</a:t>
                       </a:r>
-                      <a:endParaRPr lang="es-ES" sz="1800" dirty="0"/>
-                    </a:p>
-                  </a:txBody>
-                  <a:tcPr/>
-                </a:tc>
-                <a:tc>
-                  <a:txBody>
-                    <a:bodyPr/>
-                    <a:lstStyle/>
-                    <a:p>
-                      <a:r>
-                        <a:rPr lang="es-MX" dirty="0" smtClean="0"/>
+                      <a:endParaRPr lang="es-ES" sz="1600" dirty="0"/>
+                    </a:p>
+                  </a:txBody>
+                  <a:tcPr/>
+                </a:tc>
+                <a:tc>
+                  <a:txBody>
+                    <a:bodyPr/>
+                    <a:lstStyle/>
+                    <a:p>
+                      <a:r>
+                        <a:rPr lang="es-MX" sz="1600" dirty="0" smtClean="0"/>
                         <a:t>MEJS</a:t>
                       </a:r>
-                      <a:endParaRPr lang="es-ES" dirty="0"/>
-                    </a:p>
-                  </a:txBody>
-                  <a:tcPr/>
-                </a:tc>
-                <a:tc>
-                  <a:txBody>
-                    <a:bodyPr/>
-                    <a:lstStyle/>
-                    <a:p>
-                      <a:r>
-                        <a:rPr lang="es-MX" dirty="0" smtClean="0"/>
+                      <a:endParaRPr lang="es-ES" sz="1600" dirty="0"/>
+                    </a:p>
+                  </a:txBody>
+                  <a:tcPr/>
+                </a:tc>
+                <a:tc>
+                  <a:txBody>
+                    <a:bodyPr/>
+                    <a:lstStyle/>
+                    <a:p>
+                      <a:r>
+                        <a:rPr lang="es-MX" sz="1600" dirty="0" smtClean="0"/>
                         <a:t>Existe</a:t>
                       </a:r>
                       <a:r>
-                        <a:rPr lang="es-MX" baseline="0" dirty="0" smtClean="0"/>
-                        <a:t> una subestimación del 66% en tiempo</a:t>
-                      </a:r>
-                      <a:endParaRPr lang="es-ES" dirty="0"/>
+                        <a:rPr lang="es-MX" sz="1600" baseline="0" dirty="0" smtClean="0"/>
+                        <a:t> una subestimación del 66% en </a:t>
+                      </a:r>
+                      <a:r>
+                        <a:rPr lang="es-MX" sz="1600" baseline="0" dirty="0" smtClean="0"/>
+                        <a:t>tiempo. Se propone que se integren dos recursos.</a:t>
+                      </a:r>
+                      <a:endParaRPr lang="es-ES" sz="1600" dirty="0"/>
                     </a:p>
                   </a:txBody>
                   <a:tcPr/>
@@ -14572,7 +14547,7 @@
                         <a:defRPr/>
                       </a:pPr>
                       <a:r>
-                        <a:rPr lang="es-MX" sz="1800" u="none" strike="noStrike" kern="1200" dirty="0" smtClean="0">
+                        <a:rPr lang="es-MX" sz="1600" u="none" strike="noStrike" kern="1200" dirty="0" smtClean="0">
                           <a:solidFill>
                             <a:schemeClr val="dk1"/>
                           </a:solidFill>
@@ -14593,20 +14568,20 @@
                     <a:lstStyle/>
                     <a:p>
                       <a:r>
-                        <a:rPr lang="es-MX" dirty="0" smtClean="0"/>
+                        <a:rPr lang="es-MX" sz="1600" dirty="0" smtClean="0"/>
                         <a:t>CIRI</a:t>
                       </a:r>
-                      <a:endParaRPr lang="es-ES" dirty="0"/>
-                    </a:p>
-                  </a:txBody>
-                  <a:tcPr/>
-                </a:tc>
-                <a:tc>
-                  <a:txBody>
-                    <a:bodyPr/>
-                    <a:lstStyle/>
-                    <a:p>
-                      <a:endParaRPr lang="es-ES" dirty="0"/>
+                      <a:endParaRPr lang="es-ES" sz="1600" dirty="0"/>
+                    </a:p>
+                  </a:txBody>
+                  <a:tcPr/>
+                </a:tc>
+                <a:tc>
+                  <a:txBody>
+                    <a:bodyPr/>
+                    <a:lstStyle/>
+                    <a:p>
+                      <a:endParaRPr lang="es-ES" sz="1600" dirty="0"/>
                     </a:p>
                   </a:txBody>
                   <a:tcPr/>
@@ -14636,7 +14611,7 @@
                         <a:defRPr/>
                       </a:pPr>
                       <a:r>
-                        <a:rPr lang="es-MX" sz="1800" u="none" strike="noStrike" kern="1200" dirty="0" smtClean="0">
+                        <a:rPr lang="es-MX" sz="1600" u="none" strike="noStrike" kern="1200" dirty="0" smtClean="0">
                           <a:solidFill>
                             <a:schemeClr val="dk1"/>
                           </a:solidFill>
@@ -14648,7 +14623,7 @@
                         <a:t> Incumplimiento de las </a:t>
                       </a:r>
                       <a:r>
-                        <a:rPr lang="es-MX" sz="1800" u="none" strike="noStrike" kern="1200" dirty="0" err="1" smtClean="0">
+                        <a:rPr lang="es-MX" sz="1600" u="none" strike="noStrike" kern="1200" dirty="0" err="1" smtClean="0">
                           <a:solidFill>
                             <a:schemeClr val="dk1"/>
                           </a:solidFill>
@@ -14660,7 +14635,7 @@
                         <a:t>task</a:t>
                       </a:r>
                       <a:r>
-                        <a:rPr lang="es-MX" sz="1800" u="none" strike="noStrike" kern="1200" dirty="0" smtClean="0">
+                        <a:rPr lang="es-MX" sz="1600" u="none" strike="noStrike" kern="1200" dirty="0" smtClean="0">
                           <a:solidFill>
                             <a:schemeClr val="dk1"/>
                           </a:solidFill>
@@ -14672,7 +14647,7 @@
                         <a:t> </a:t>
                       </a:r>
                       <a:r>
-                        <a:rPr lang="es-MX" sz="1800" u="none" strike="noStrike" kern="1200" dirty="0" err="1" smtClean="0">
+                        <a:rPr lang="es-MX" sz="1600" u="none" strike="noStrike" kern="1200" dirty="0" err="1" smtClean="0">
                           <a:solidFill>
                             <a:schemeClr val="dk1"/>
                           </a:solidFill>
@@ -14684,7 +14659,7 @@
                         <a:t>hours</a:t>
                       </a:r>
                       <a:r>
-                        <a:rPr lang="es-MX" sz="1800" u="none" strike="noStrike" kern="1200" dirty="0" smtClean="0">
+                        <a:rPr lang="es-MX" sz="1600" u="none" strike="noStrike" kern="1200" dirty="0" smtClean="0">
                           <a:solidFill>
                             <a:schemeClr val="dk1"/>
                           </a:solidFill>
@@ -14705,36 +14680,60 @@
                     <a:lstStyle/>
                     <a:p>
                       <a:r>
-                        <a:rPr lang="es-MX" dirty="0" smtClean="0"/>
+                        <a:rPr lang="es-MX" sz="1600" dirty="0" smtClean="0"/>
                         <a:t>MEJS</a:t>
                       </a:r>
-                      <a:endParaRPr lang="es-ES" dirty="0"/>
-                    </a:p>
-                  </a:txBody>
-                  <a:tcPr/>
-                </a:tc>
-                <a:tc>
-                  <a:txBody>
-                    <a:bodyPr/>
-                    <a:lstStyle/>
-                    <a:p>
-                      <a:r>
-                        <a:rPr lang="es-MX" dirty="0" smtClean="0"/>
+                      <a:endParaRPr lang="es-ES" sz="1600" dirty="0"/>
+                    </a:p>
+                  </a:txBody>
+                  <a:tcPr/>
+                </a:tc>
+                <a:tc>
+                  <a:txBody>
+                    <a:bodyPr/>
+                    <a:lstStyle/>
+                    <a:p>
+                      <a:r>
+                        <a:rPr lang="es-MX" sz="1600" dirty="0" smtClean="0"/>
                         <a:t>Existe un atraso de 38% en el cumplimiento de </a:t>
                       </a:r>
                       <a:r>
-                        <a:rPr lang="es-MX" dirty="0" err="1" smtClean="0"/>
+                        <a:rPr lang="es-MX" sz="1600" dirty="0" err="1" smtClean="0"/>
                         <a:t>task</a:t>
                       </a:r>
                       <a:r>
-                        <a:rPr lang="es-MX" dirty="0" smtClean="0"/>
+                        <a:rPr lang="es-MX" sz="1600" dirty="0" smtClean="0"/>
                         <a:t> </a:t>
                       </a:r>
                       <a:r>
-                        <a:rPr lang="es-MX" smtClean="0"/>
+                        <a:rPr lang="es-MX" sz="1600" dirty="0" err="1" smtClean="0"/>
                         <a:t>hours</a:t>
                       </a:r>
-                      <a:endParaRPr lang="es-ES" dirty="0"/>
+                      <a:r>
+                        <a:rPr lang="es-MX" sz="1600" dirty="0" smtClean="0"/>
+                        <a:t>. Se propone</a:t>
+                      </a:r>
+                      <a:r>
+                        <a:rPr lang="es-MX" sz="1600" baseline="0" dirty="0" smtClean="0"/>
+                        <a:t> entregar las </a:t>
+                      </a:r>
+                      <a:r>
+                        <a:rPr lang="es-MX" sz="1600" baseline="0" dirty="0" err="1" smtClean="0"/>
+                        <a:t>task</a:t>
+                      </a:r>
+                      <a:r>
+                        <a:rPr lang="es-MX" sz="1600" baseline="0" dirty="0" smtClean="0"/>
+                        <a:t> </a:t>
+                      </a:r>
+                      <a:r>
+                        <a:rPr lang="es-MX" sz="1600" baseline="0" dirty="0" err="1" smtClean="0"/>
+                        <a:t>hours</a:t>
+                      </a:r>
+                      <a:r>
+                        <a:rPr lang="es-MX" sz="1600" baseline="0" dirty="0" smtClean="0"/>
+                        <a:t> planeadas</a:t>
+                      </a:r>
+                      <a:endParaRPr lang="es-ES" sz="1600" dirty="0"/>
                     </a:p>
                   </a:txBody>
                   <a:tcPr/>
@@ -14764,7 +14763,7 @@
                         <a:defRPr/>
                       </a:pPr>
                       <a:r>
-                        <a:rPr lang="es-MX" sz="1800" u="none" strike="noStrike" kern="1200" dirty="0" smtClean="0">
+                        <a:rPr lang="es-MX" sz="1600" u="none" strike="noStrike" kern="1200" dirty="0" smtClean="0">
                           <a:solidFill>
                             <a:schemeClr val="dk1"/>
                           </a:solidFill>
@@ -14785,32 +14784,28 @@
                     <a:lstStyle/>
                     <a:p>
                       <a:r>
-                        <a:rPr lang="es-MX" dirty="0" smtClean="0"/>
+                        <a:rPr lang="es-MX" sz="1600" dirty="0" smtClean="0"/>
                         <a:t>JRJN</a:t>
                       </a:r>
-                      <a:endParaRPr lang="es-ES" dirty="0"/>
-                    </a:p>
-                  </a:txBody>
-                  <a:tcPr/>
-                </a:tc>
-                <a:tc>
-                  <a:txBody>
-                    <a:bodyPr/>
-                    <a:lstStyle/>
-                    <a:p>
-                      <a:r>
-                        <a:rPr lang="es-MX" dirty="0" smtClean="0"/>
-                        <a:t>A la fecha no </a:t>
-                      </a:r>
-                      <a:r>
-                        <a:rPr lang="es-MX" smtClean="0"/>
-                        <a:t>es</a:t>
-                      </a:r>
-                      <a:r>
-                        <a:rPr lang="es-MX" baseline="0" smtClean="0"/>
+                      <a:endParaRPr lang="es-ES" sz="1600" dirty="0"/>
+                    </a:p>
+                  </a:txBody>
+                  <a:tcPr/>
+                </a:tc>
+                <a:tc>
+                  <a:txBody>
+                    <a:bodyPr/>
+                    <a:lstStyle/>
+                    <a:p>
+                      <a:r>
+                        <a:rPr lang="es-MX" sz="1600" dirty="0" smtClean="0"/>
+                        <a:t>A la fecha no es</a:t>
+                      </a:r>
+                      <a:r>
+                        <a:rPr lang="es-MX" sz="1600" baseline="0" dirty="0" smtClean="0"/>
                         <a:t> medible</a:t>
                       </a:r>
-                      <a:endParaRPr lang="es-ES" dirty="0"/>
+                      <a:endParaRPr lang="es-ES" sz="1600" dirty="0"/>
                     </a:p>
                   </a:txBody>
                   <a:tcPr/>
@@ -14840,7 +14835,7 @@
                         <a:defRPr/>
                       </a:pPr>
                       <a:r>
-                        <a:rPr lang="es-MX" sz="1800" u="none" strike="noStrike" kern="1200" dirty="0" smtClean="0">
+                        <a:rPr lang="es-MX" sz="1600" u="none" strike="noStrike" kern="1200" dirty="0" smtClean="0">
                           <a:solidFill>
                             <a:schemeClr val="dk1"/>
                           </a:solidFill>
@@ -14861,20 +14856,20 @@
                     <a:lstStyle/>
                     <a:p>
                       <a:r>
-                        <a:rPr lang="es-MX" smtClean="0"/>
+                        <a:rPr lang="es-MX" sz="1600" smtClean="0"/>
                         <a:t>CIRI</a:t>
                       </a:r>
-                      <a:endParaRPr lang="es-ES" dirty="0"/>
-                    </a:p>
-                  </a:txBody>
-                  <a:tcPr/>
-                </a:tc>
-                <a:tc>
-                  <a:txBody>
-                    <a:bodyPr/>
-                    <a:lstStyle/>
-                    <a:p>
-                      <a:endParaRPr lang="es-ES" dirty="0"/>
+                      <a:endParaRPr lang="es-ES" sz="1600" dirty="0"/>
+                    </a:p>
+                  </a:txBody>
+                  <a:tcPr/>
+                </a:tc>
+                <a:tc>
+                  <a:txBody>
+                    <a:bodyPr/>
+                    <a:lstStyle/>
+                    <a:p>
+                      <a:endParaRPr lang="es-ES" sz="1600" dirty="0"/>
                     </a:p>
                   </a:txBody>
                   <a:tcPr/>
@@ -18028,11 +18023,7 @@
                       </a:r>
                       <a:r>
                         <a:rPr lang="es-MX" sz="1700" baseline="0" dirty="0" smtClean="0"/>
-                        <a:t>ook </a:t>
-                      </a:r>
-                      <a:r>
-                        <a:rPr lang="es-MX" sz="1700" baseline="0" dirty="0" smtClean="0"/>
-                        <a:t>&amp; </a:t>
+                        <a:t>ook &amp; </a:t>
                       </a:r>
                       <a:r>
                         <a:rPr lang="es-MX" sz="1700" baseline="0" dirty="0" err="1" smtClean="0"/>
@@ -18040,11 +18031,7 @@
                       </a:r>
                       <a:r>
                         <a:rPr lang="es-MX" sz="1700" baseline="0" dirty="0" smtClean="0"/>
-                        <a:t> de </a:t>
-                      </a:r>
-                      <a:r>
-                        <a:rPr lang="es-MX" sz="1700" baseline="0" dirty="0" smtClean="0"/>
-                        <a:t>SWB </a:t>
+                        <a:t> de SWB </a:t>
                       </a:r>
                       <a:r>
                         <a:rPr lang="es-MX" sz="1700" baseline="0" dirty="0" err="1" smtClean="0"/>
